--- a/deck/React-State-Management.pptx
+++ b/deck/React-State-Management.pptx
@@ -5,7 +5,7 @@
     <p:sldMasterId id="2147483648" r:id="rId1"/>
   </p:sldMasterIdLst>
   <p:notesMasterIdLst>
-    <p:notesMasterId r:id="rId19"/>
+    <p:notesMasterId r:id="rId20"/>
   </p:notesMasterIdLst>
   <p:sldIdLst>
     <p:sldId id="283" r:id="rId2"/>
@@ -25,6 +25,7 @@
     <p:sldId id="310" r:id="rId16"/>
     <p:sldId id="311" r:id="rId17"/>
     <p:sldId id="313" r:id="rId18"/>
+    <p:sldId id="318" r:id="rId19"/>
   </p:sldIdLst>
   <p:sldSz cx="12192000" cy="6858000"/>
   <p:notesSz cx="6858000" cy="9144000"/>
@@ -565,13 +566,8 @@
             </a:pPr>
             <a:r>
               <a:rPr lang="en-US" dirty="0"/>
-              <a:t>What React provides for us out of the box to manage our application’s state (this will include some of what we saw in Dave’s presentation a few </a:t>
-            </a:r>
-            <a:r>
-              <a:rPr lang="en-US"/>
-              <a:t>weeks ago)</a:t>
-            </a:r>
-            <a:endParaRPr lang="en-US" dirty="0"/>
+              <a:t>What React provides for us out of the box to manage our application’s state (this will include some of what we saw in Dave’s presentation a few weeks ago)</a:t>
+            </a:r>
           </a:p>
           <a:p>
             <a:pPr marL="171450" indent="-171450">
@@ -1104,9 +1100,6 @@
               </a:rPr>
               <a:t> returns an array with the first element being the state and the second element being a dispatch function which when called, will invoke the reducer.</a:t>
             </a:r>
-          </a:p>
-          <a:p>
-            <a:pPr algn="l"/>
             <a:br>
               <a:rPr lang="en-US" b="0" i="0" dirty="0">
                 <a:solidFill>
@@ -1320,7 +1313,7 @@
                 <a:effectLst/>
                 <a:latin typeface="Outfit"/>
               </a:rPr>
-              <a:t>Whenever the </a:t>
+              <a:t>(Whenever the </a:t>
             </a:r>
             <a:r>
               <a:rPr lang="en-US" dirty="0"/>
@@ -1446,7 +1439,7 @@
                 <a:effectLst/>
                 <a:latin typeface="Outfit"/>
               </a:rPr>
-              <a:t> changed, React will re-render the component, updating the UI.</a:t>
+              <a:t> changed, React will re-render the component, updating the UI.)</a:t>
             </a:r>
           </a:p>
           <a:p>
@@ -1459,6 +1452,15 @@
             </a:endParaRPr>
           </a:p>
           <a:p>
+            <a:endParaRPr lang="en-US" b="0" i="0" dirty="0">
+              <a:solidFill>
+                <a:srgbClr val="F9F4DA"/>
+              </a:solidFill>
+              <a:effectLst/>
+              <a:latin typeface="Outfit"/>
+            </a:endParaRPr>
+          </a:p>
+          <a:p>
             <a:pPr algn="l"/>
             <a:r>
               <a:rPr lang="en-US" b="0" i="0" dirty="0" err="1">
@@ -1518,7 +1520,7 @@
                 <a:effectLst/>
                 <a:latin typeface="Outfit"/>
               </a:rPr>
-              <a:t> offers a bit more flexibility since it allows you to decouple how the state is updated from the action that triggered the update - typically leading to more declarative state updates.</a:t>
+              <a:t> offers more flexibility since it allows you to decouple how the state is updated from the action that triggered the update - typically leading to more declarative state updates.</a:t>
             </a:r>
           </a:p>
           <a:p>
@@ -1561,7 +1563,30 @@
                 <a:effectLst/>
                 <a:latin typeface="Outfit"/>
               </a:rPr>
-              <a:t> should work fine. If your state tends to be updated together or if updating one piece of state is based on another piece of state, go with </a:t>
+              <a:t> should work fine. </a:t>
+            </a:r>
+          </a:p>
+          <a:p>
+            <a:pPr algn="l"/>
+            <a:endParaRPr lang="en-US" b="0" i="0" dirty="0">
+              <a:solidFill>
+                <a:srgbClr val="F9F4DA"/>
+              </a:solidFill>
+              <a:effectLst/>
+              <a:latin typeface="Outfit"/>
+            </a:endParaRPr>
+          </a:p>
+          <a:p>
+            <a:pPr algn="l"/>
+            <a:r>
+              <a:rPr lang="en-US" b="0" i="0" dirty="0">
+                <a:solidFill>
+                  <a:srgbClr val="F9F4DA"/>
+                </a:solidFill>
+                <a:effectLst/>
+                <a:latin typeface="Outfit"/>
+              </a:rPr>
+              <a:t>If your state tends to be updated together or if updating one piece of state is based on another piece of state, go with </a:t>
             </a:r>
             <a:r>
               <a:rPr lang="en-US" b="0" i="0" dirty="0" err="1">
@@ -1583,9 +1608,6 @@
               </a:rPr>
               <a:t>.</a:t>
             </a:r>
-          </a:p>
-          <a:p>
-            <a:endParaRPr lang="en-US" dirty="0"/>
           </a:p>
           <a:p>
             <a:endParaRPr lang="en-US" dirty="0"/>
@@ -1714,6 +1736,53 @@
           <a:lstStyle/>
           <a:p>
             <a:r>
+              <a:rPr lang="en-US" b="0" dirty="0">
+                <a:solidFill>
+                  <a:srgbClr val="608B4E"/>
+                </a:solidFill>
+                <a:effectLst/>
+                <a:latin typeface="Monaco" pitchFamily="2" charset="77"/>
+              </a:rPr>
+              <a:t>// - context is typically better for libraries (i.e., component libraries)</a:t>
+            </a:r>
+            <a:endParaRPr lang="en-US" b="0" dirty="0">
+              <a:solidFill>
+                <a:srgbClr val="FFFFFF"/>
+              </a:solidFill>
+              <a:effectLst/>
+              <a:latin typeface="Monaco" pitchFamily="2" charset="77"/>
+            </a:endParaRPr>
+          </a:p>
+          <a:p>
+            <a:r>
+              <a:rPr lang="en-US" b="0" dirty="0">
+                <a:solidFill>
+                  <a:srgbClr val="608B4E"/>
+                </a:solidFill>
+                <a:effectLst/>
+                <a:latin typeface="Monaco" pitchFamily="2" charset="77"/>
+              </a:rPr>
+              <a:t>// - usually, composition should be what you reach for first</a:t>
+            </a:r>
+            <a:endParaRPr lang="en-US" b="0" i="1" dirty="0">
+              <a:solidFill>
+                <a:srgbClr val="F9F4DA"/>
+              </a:solidFill>
+              <a:effectLst/>
+              <a:latin typeface="Outfit"/>
+            </a:endParaRPr>
+          </a:p>
+          <a:p>
+            <a:endParaRPr lang="en-US" b="0" i="1" dirty="0">
+              <a:solidFill>
+                <a:srgbClr val="F9F4DA"/>
+              </a:solidFill>
+              <a:effectLst/>
+              <a:latin typeface="Outfit"/>
+            </a:endParaRPr>
+          </a:p>
+          <a:p>
+            <a:r>
               <a:rPr lang="en-US" b="0" i="1" dirty="0">
                 <a:solidFill>
                   <a:srgbClr val="F9F4DA"/>
@@ -2129,6 +2198,90 @@
     <p:extLst>
       <p:ext uri="{BB962C8B-B14F-4D97-AF65-F5344CB8AC3E}">
         <p14:creationId xmlns:p14="http://schemas.microsoft.com/office/powerpoint/2010/main" val="674726962"/>
+      </p:ext>
+    </p:extLst>
+  </p:cSld>
+  <p:clrMapOvr>
+    <a:masterClrMapping/>
+  </p:clrMapOvr>
+</p:notes>
+</file>
+
+<file path=ppt/notesSlides/notesSlide18.xml><?xml version="1.0" encoding="utf-8"?>
+<p:notes xmlns:a="http://schemas.openxmlformats.org/drawingml/2006/main" xmlns:r="http://schemas.openxmlformats.org/officeDocument/2006/relationships" xmlns:p="http://schemas.openxmlformats.org/presentationml/2006/main">
+  <p:cSld>
+    <p:spTree>
+      <p:nvGrpSpPr>
+        <p:cNvPr id="1" name=""/>
+        <p:cNvGrpSpPr/>
+        <p:nvPr/>
+      </p:nvGrpSpPr>
+      <p:grpSpPr>
+        <a:xfrm>
+          <a:off x="0" y="0"/>
+          <a:ext cx="0" cy="0"/>
+          <a:chOff x="0" y="0"/>
+          <a:chExt cx="0" cy="0"/>
+        </a:xfrm>
+      </p:grpSpPr>
+      <p:sp>
+        <p:nvSpPr>
+          <p:cNvPr id="2" name="Slide Image Placeholder 1"/>
+          <p:cNvSpPr>
+            <a:spLocks noGrp="1" noRot="1" noChangeAspect="1"/>
+          </p:cNvSpPr>
+          <p:nvPr>
+            <p:ph type="sldImg"/>
+          </p:nvPr>
+        </p:nvSpPr>
+        <p:spPr/>
+      </p:sp>
+      <p:sp>
+        <p:nvSpPr>
+          <p:cNvPr id="3" name="Notes Placeholder 2"/>
+          <p:cNvSpPr>
+            <a:spLocks noGrp="1"/>
+          </p:cNvSpPr>
+          <p:nvPr>
+            <p:ph type="body" idx="1"/>
+          </p:nvPr>
+        </p:nvSpPr>
+        <p:spPr/>
+        <p:txBody>
+          <a:bodyPr/>
+          <a:lstStyle/>
+          <a:p>
+            <a:endParaRPr lang="en-US" dirty="0"/>
+          </a:p>
+        </p:txBody>
+      </p:sp>
+      <p:sp>
+        <p:nvSpPr>
+          <p:cNvPr id="4" name="Slide Number Placeholder 3"/>
+          <p:cNvSpPr>
+            <a:spLocks noGrp="1"/>
+          </p:cNvSpPr>
+          <p:nvPr>
+            <p:ph type="sldNum" sz="quarter" idx="5"/>
+          </p:nvPr>
+        </p:nvSpPr>
+        <p:spPr/>
+        <p:txBody>
+          <a:bodyPr/>
+          <a:lstStyle/>
+          <a:p>
+            <a:fld id="{93AF359F-E95C-F64B-B302-8F3904292CB4}" type="slidenum">
+              <a:rPr lang="en-US" smtClean="0"/>
+              <a:t>18</a:t>
+            </a:fld>
+            <a:endParaRPr lang="en-US"/>
+          </a:p>
+        </p:txBody>
+      </p:sp>
+    </p:spTree>
+    <p:extLst>
+      <p:ext uri="{BB962C8B-B14F-4D97-AF65-F5344CB8AC3E}">
+        <p14:creationId xmlns:p14="http://schemas.microsoft.com/office/powerpoint/2010/main" val="918967953"/>
       </p:ext>
     </p:extLst>
   </p:cSld>
@@ -9650,6 +9803,65 @@
     <p:extLst>
       <p:ext uri="{BB962C8B-B14F-4D97-AF65-F5344CB8AC3E}">
         <p14:creationId xmlns:p14="http://schemas.microsoft.com/office/powerpoint/2010/main" val="2362455781"/>
+      </p:ext>
+    </p:extLst>
+  </p:cSld>
+  <p:clrMapOvr>
+    <a:masterClrMapping/>
+  </p:clrMapOvr>
+</p:sld>
+</file>
+
+<file path=ppt/slides/slide18.xml><?xml version="1.0" encoding="utf-8"?>
+<p:sld xmlns:a="http://schemas.openxmlformats.org/drawingml/2006/main" xmlns:r="http://schemas.openxmlformats.org/officeDocument/2006/relationships" xmlns:p="http://schemas.openxmlformats.org/presentationml/2006/main">
+  <p:cSld>
+    <p:spTree>
+      <p:nvGrpSpPr>
+        <p:cNvPr id="1" name=""/>
+        <p:cNvGrpSpPr/>
+        <p:nvPr/>
+      </p:nvGrpSpPr>
+      <p:grpSpPr>
+        <a:xfrm>
+          <a:off x="0" y="0"/>
+          <a:ext cx="0" cy="0"/>
+          <a:chOff x="0" y="0"/>
+          <a:chExt cx="0" cy="0"/>
+        </a:xfrm>
+      </p:grpSpPr>
+      <p:pic>
+        <p:nvPicPr>
+          <p:cNvPr id="9" name="Picture 8">
+            <a:extLst>
+              <a:ext uri="{FF2B5EF4-FFF2-40B4-BE49-F238E27FC236}">
+                <a16:creationId xmlns:a16="http://schemas.microsoft.com/office/drawing/2014/main" id="{567277D3-60F7-78DA-A685-AF721F8A0FEE}"/>
+              </a:ext>
+            </a:extLst>
+          </p:cNvPr>
+          <p:cNvPicPr>
+            <a:picLocks noChangeAspect="1"/>
+          </p:cNvPicPr>
+          <p:nvPr/>
+        </p:nvPicPr>
+        <p:blipFill rotWithShape="1">
+          <a:blip r:embed="rId3"/>
+          <a:srcRect r="1306"/>
+          <a:stretch/>
+        </p:blipFill>
+        <p:spPr>
+          <a:xfrm>
+            <a:off x="136926" y="1043861"/>
+            <a:ext cx="11918147" cy="4770277"/>
+          </a:xfrm>
+          <a:prstGeom prst="rect">
+            <a:avLst/>
+          </a:prstGeom>
+        </p:spPr>
+      </p:pic>
+    </p:spTree>
+    <p:extLst>
+      <p:ext uri="{BB962C8B-B14F-4D97-AF65-F5344CB8AC3E}">
+        <p14:creationId xmlns:p14="http://schemas.microsoft.com/office/powerpoint/2010/main" val="831710780"/>
       </p:ext>
     </p:extLst>
   </p:cSld>
